--- a/doc/Publications/JChromatogrB-InCroMAP/InCroMAP_examples.pptx
+++ b/doc/Publications/JChromatogrB-InCroMAP/InCroMAP_examples.pptx
@@ -2,12 +2,12 @@
 <file path=ppt/presentation.xml><?xml version="1.0" encoding="utf-8"?>
 <p:presentation xmlns:a="http://schemas.openxmlformats.org/drawingml/2006/main" xmlns:r="http://schemas.openxmlformats.org/officeDocument/2006/relationships" xmlns:p="http://schemas.openxmlformats.org/presentationml/2006/main" saveSubsetFonts="1">
   <p:sldMasterIdLst>
-    <p:sldMasterId id="2147483720" r:id="rId1"/>
+    <p:sldMasterId id="2147483756" r:id="rId1"/>
   </p:sldMasterIdLst>
   <p:sldIdLst>
     <p:sldId id="256" r:id="rId2"/>
   </p:sldIdLst>
-  <p:sldSz cx="6858000" cy="7745413"/>
+  <p:sldSz cx="6858000" cy="5584825"/>
   <p:notesSz cx="6858000" cy="9144000"/>
   <p:defaultTextStyle>
     <a:defPPr>
@@ -141,8 +141,8 @@
         </p:nvSpPr>
         <p:spPr>
           <a:xfrm>
-            <a:off x="514350" y="1267595"/>
-            <a:ext cx="5829300" cy="2696551"/>
+            <a:off x="514350" y="913999"/>
+            <a:ext cx="5829300" cy="1944346"/>
           </a:xfrm>
         </p:spPr>
         <p:txBody>
@@ -173,8 +173,8 @@
         </p:nvSpPr>
         <p:spPr>
           <a:xfrm>
-            <a:off x="857250" y="4068135"/>
-            <a:ext cx="5143500" cy="1870015"/>
+            <a:off x="857250" y="2933326"/>
+            <a:ext cx="5143500" cy="1348373"/>
           </a:xfrm>
         </p:spPr>
         <p:txBody>
@@ -294,7 +294,7 @@
     </p:spTree>
     <p:extLst>
       <p:ext uri="{BB962C8B-B14F-4D97-AF65-F5344CB8AC3E}">
-        <p14:creationId xmlns:p14="http://schemas.microsoft.com/office/powerpoint/2010/main" val="987682685"/>
+        <p14:creationId xmlns:p14="http://schemas.microsoft.com/office/powerpoint/2010/main" val="1257287526"/>
       </p:ext>
     </p:extLst>
   </p:cSld>
@@ -464,7 +464,7 @@
     </p:spTree>
     <p:extLst>
       <p:ext uri="{BB962C8B-B14F-4D97-AF65-F5344CB8AC3E}">
-        <p14:creationId xmlns:p14="http://schemas.microsoft.com/office/powerpoint/2010/main" val="3427358973"/>
+        <p14:creationId xmlns:p14="http://schemas.microsoft.com/office/powerpoint/2010/main" val="2264291279"/>
       </p:ext>
     </p:extLst>
   </p:cSld>
@@ -503,8 +503,8 @@
         </p:nvSpPr>
         <p:spPr>
           <a:xfrm>
-            <a:off x="4907757" y="412372"/>
-            <a:ext cx="1478756" cy="6563879"/>
+            <a:off x="4907757" y="297340"/>
+            <a:ext cx="1478756" cy="4732881"/>
           </a:xfrm>
         </p:spPr>
         <p:txBody>
@@ -531,8 +531,8 @@
         </p:nvSpPr>
         <p:spPr>
           <a:xfrm>
-            <a:off x="471488" y="412372"/>
-            <a:ext cx="4350544" cy="6563879"/>
+            <a:off x="471488" y="297340"/>
+            <a:ext cx="4350544" cy="4732881"/>
           </a:xfrm>
         </p:spPr>
         <p:txBody>
@@ -644,7 +644,7 @@
     </p:spTree>
     <p:extLst>
       <p:ext uri="{BB962C8B-B14F-4D97-AF65-F5344CB8AC3E}">
-        <p14:creationId xmlns:p14="http://schemas.microsoft.com/office/powerpoint/2010/main" val="1241041590"/>
+        <p14:creationId xmlns:p14="http://schemas.microsoft.com/office/powerpoint/2010/main" val="2051250632"/>
       </p:ext>
     </p:extLst>
   </p:cSld>
@@ -814,7 +814,7 @@
     </p:spTree>
     <p:extLst>
       <p:ext uri="{BB962C8B-B14F-4D97-AF65-F5344CB8AC3E}">
-        <p14:creationId xmlns:p14="http://schemas.microsoft.com/office/powerpoint/2010/main" val="3724395835"/>
+        <p14:creationId xmlns:p14="http://schemas.microsoft.com/office/powerpoint/2010/main" val="3131187685"/>
       </p:ext>
     </p:extLst>
   </p:cSld>
@@ -853,8 +853,8 @@
         </p:nvSpPr>
         <p:spPr>
           <a:xfrm>
-            <a:off x="467916" y="1930977"/>
-            <a:ext cx="5915025" cy="3221876"/>
+            <a:off x="467916" y="1392329"/>
+            <a:ext cx="5915025" cy="2323132"/>
           </a:xfrm>
         </p:spPr>
         <p:txBody>
@@ -885,8 +885,8 @@
         </p:nvSpPr>
         <p:spPr>
           <a:xfrm>
-            <a:off x="467916" y="5183333"/>
-            <a:ext cx="5915025" cy="1694309"/>
+            <a:off x="467916" y="3737439"/>
+            <a:ext cx="5915025" cy="1221680"/>
           </a:xfrm>
         </p:spPr>
         <p:txBody>
@@ -1058,7 +1058,7 @@
     </p:spTree>
     <p:extLst>
       <p:ext uri="{BB962C8B-B14F-4D97-AF65-F5344CB8AC3E}">
-        <p14:creationId xmlns:p14="http://schemas.microsoft.com/office/powerpoint/2010/main" val="2462793247"/>
+        <p14:creationId xmlns:p14="http://schemas.microsoft.com/office/powerpoint/2010/main" val="2341319175"/>
       </p:ext>
     </p:extLst>
   </p:cSld>
@@ -1120,8 +1120,8 @@
         </p:nvSpPr>
         <p:spPr>
           <a:xfrm>
-            <a:off x="471488" y="2061858"/>
-            <a:ext cx="2914650" cy="4914393"/>
+            <a:off x="471488" y="1486701"/>
+            <a:ext cx="2914650" cy="3543520"/>
           </a:xfrm>
         </p:spPr>
         <p:txBody>
@@ -1177,8 +1177,8 @@
         </p:nvSpPr>
         <p:spPr>
           <a:xfrm>
-            <a:off x="3471863" y="2061858"/>
-            <a:ext cx="2914650" cy="4914393"/>
+            <a:off x="3471863" y="1486701"/>
+            <a:ext cx="2914650" cy="3543520"/>
           </a:xfrm>
         </p:spPr>
         <p:txBody>
@@ -1290,7 +1290,7 @@
     </p:spTree>
     <p:extLst>
       <p:ext uri="{BB962C8B-B14F-4D97-AF65-F5344CB8AC3E}">
-        <p14:creationId xmlns:p14="http://schemas.microsoft.com/office/powerpoint/2010/main" val="2453087948"/>
+        <p14:creationId xmlns:p14="http://schemas.microsoft.com/office/powerpoint/2010/main" val="3332053451"/>
       </p:ext>
     </p:extLst>
   </p:cSld>
@@ -1329,8 +1329,8 @@
         </p:nvSpPr>
         <p:spPr>
           <a:xfrm>
-            <a:off x="472381" y="412373"/>
-            <a:ext cx="5915025" cy="1497088"/>
+            <a:off x="472381" y="297341"/>
+            <a:ext cx="5915025" cy="1079475"/>
           </a:xfrm>
         </p:spPr>
         <p:txBody>
@@ -1357,8 +1357,8 @@
         </p:nvSpPr>
         <p:spPr>
           <a:xfrm>
-            <a:off x="472381" y="1898702"/>
-            <a:ext cx="2901255" cy="930525"/>
+            <a:off x="472381" y="1369058"/>
+            <a:ext cx="2901255" cy="670954"/>
           </a:xfrm>
         </p:spPr>
         <p:txBody>
@@ -1422,8 +1422,8 @@
         </p:nvSpPr>
         <p:spPr>
           <a:xfrm>
-            <a:off x="472381" y="2829227"/>
-            <a:ext cx="2901255" cy="4161367"/>
+            <a:off x="472381" y="2040012"/>
+            <a:ext cx="2901255" cy="3000551"/>
           </a:xfrm>
         </p:spPr>
         <p:txBody>
@@ -1479,8 +1479,8 @@
         </p:nvSpPr>
         <p:spPr>
           <a:xfrm>
-            <a:off x="3471863" y="1898702"/>
-            <a:ext cx="2915543" cy="930525"/>
+            <a:off x="3471863" y="1369058"/>
+            <a:ext cx="2915543" cy="670954"/>
           </a:xfrm>
         </p:spPr>
         <p:txBody>
@@ -1544,8 +1544,8 @@
         </p:nvSpPr>
         <p:spPr>
           <a:xfrm>
-            <a:off x="3471863" y="2829227"/>
-            <a:ext cx="2915543" cy="4161367"/>
+            <a:off x="3471863" y="2040012"/>
+            <a:ext cx="2915543" cy="3000551"/>
           </a:xfrm>
         </p:spPr>
         <p:txBody>
@@ -1657,7 +1657,7 @@
     </p:spTree>
     <p:extLst>
       <p:ext uri="{BB962C8B-B14F-4D97-AF65-F5344CB8AC3E}">
-        <p14:creationId xmlns:p14="http://schemas.microsoft.com/office/powerpoint/2010/main" val="2703869497"/>
+        <p14:creationId xmlns:p14="http://schemas.microsoft.com/office/powerpoint/2010/main" val="2698129646"/>
       </p:ext>
     </p:extLst>
   </p:cSld>
@@ -1775,7 +1775,7 @@
     </p:spTree>
     <p:extLst>
       <p:ext uri="{BB962C8B-B14F-4D97-AF65-F5344CB8AC3E}">
-        <p14:creationId xmlns:p14="http://schemas.microsoft.com/office/powerpoint/2010/main" val="1513700705"/>
+        <p14:creationId xmlns:p14="http://schemas.microsoft.com/office/powerpoint/2010/main" val="1990320214"/>
       </p:ext>
     </p:extLst>
   </p:cSld>
@@ -1870,7 +1870,7 @@
     </p:spTree>
     <p:extLst>
       <p:ext uri="{BB962C8B-B14F-4D97-AF65-F5344CB8AC3E}">
-        <p14:creationId xmlns:p14="http://schemas.microsoft.com/office/powerpoint/2010/main" val="702589373"/>
+        <p14:creationId xmlns:p14="http://schemas.microsoft.com/office/powerpoint/2010/main" val="2463791392"/>
       </p:ext>
     </p:extLst>
   </p:cSld>
@@ -1909,8 +1909,8 @@
         </p:nvSpPr>
         <p:spPr>
           <a:xfrm>
-            <a:off x="472381" y="516361"/>
-            <a:ext cx="2211884" cy="1807263"/>
+            <a:off x="472381" y="372322"/>
+            <a:ext cx="2211884" cy="1303126"/>
           </a:xfrm>
         </p:spPr>
         <p:txBody>
@@ -1941,8 +1941,8 @@
         </p:nvSpPr>
         <p:spPr>
           <a:xfrm>
-            <a:off x="2915543" y="1115198"/>
-            <a:ext cx="3471863" cy="5504263"/>
+            <a:off x="2915543" y="804112"/>
+            <a:ext cx="3471863" cy="3968846"/>
           </a:xfrm>
         </p:spPr>
         <p:txBody>
@@ -2026,8 +2026,8 @@
         </p:nvSpPr>
         <p:spPr>
           <a:xfrm>
-            <a:off x="472381" y="2323624"/>
-            <a:ext cx="2211884" cy="4304801"/>
+            <a:off x="472381" y="1675447"/>
+            <a:ext cx="2211884" cy="3103974"/>
           </a:xfrm>
         </p:spPr>
         <p:txBody>
@@ -2147,7 +2147,7 @@
     </p:spTree>
     <p:extLst>
       <p:ext uri="{BB962C8B-B14F-4D97-AF65-F5344CB8AC3E}">
-        <p14:creationId xmlns:p14="http://schemas.microsoft.com/office/powerpoint/2010/main" val="558567375"/>
+        <p14:creationId xmlns:p14="http://schemas.microsoft.com/office/powerpoint/2010/main" val="1618891378"/>
       </p:ext>
     </p:extLst>
   </p:cSld>
@@ -2186,8 +2186,8 @@
         </p:nvSpPr>
         <p:spPr>
           <a:xfrm>
-            <a:off x="472381" y="516361"/>
-            <a:ext cx="2211884" cy="1807263"/>
+            <a:off x="472381" y="372322"/>
+            <a:ext cx="2211884" cy="1303126"/>
           </a:xfrm>
         </p:spPr>
         <p:txBody>
@@ -2218,8 +2218,8 @@
         </p:nvSpPr>
         <p:spPr>
           <a:xfrm>
-            <a:off x="2915543" y="1115198"/>
-            <a:ext cx="3471863" cy="5504263"/>
+            <a:off x="2915543" y="804112"/>
+            <a:ext cx="3471863" cy="3968846"/>
           </a:xfrm>
         </p:spPr>
         <p:txBody>
@@ -2283,8 +2283,8 @@
         </p:nvSpPr>
         <p:spPr>
           <a:xfrm>
-            <a:off x="472381" y="2323624"/>
-            <a:ext cx="2211884" cy="4304801"/>
+            <a:off x="472381" y="1675447"/>
+            <a:ext cx="2211884" cy="3103974"/>
           </a:xfrm>
         </p:spPr>
         <p:txBody>
@@ -2404,7 +2404,7 @@
     </p:spTree>
     <p:extLst>
       <p:ext uri="{BB962C8B-B14F-4D97-AF65-F5344CB8AC3E}">
-        <p14:creationId xmlns:p14="http://schemas.microsoft.com/office/powerpoint/2010/main" val="1056502719"/>
+        <p14:creationId xmlns:p14="http://schemas.microsoft.com/office/powerpoint/2010/main" val="4244318039"/>
       </p:ext>
     </p:extLst>
   </p:cSld>
@@ -2448,8 +2448,8 @@
         </p:nvSpPr>
         <p:spPr>
           <a:xfrm>
-            <a:off x="471488" y="412373"/>
-            <a:ext cx="5915025" cy="1497088"/>
+            <a:off x="471488" y="297341"/>
+            <a:ext cx="5915025" cy="1079475"/>
           </a:xfrm>
           <a:prstGeom prst="rect">
             <a:avLst/>
@@ -2481,8 +2481,8 @@
         </p:nvSpPr>
         <p:spPr>
           <a:xfrm>
-            <a:off x="471488" y="2061858"/>
-            <a:ext cx="5915025" cy="4914393"/>
+            <a:off x="471488" y="1486701"/>
+            <a:ext cx="5915025" cy="3543520"/>
           </a:xfrm>
           <a:prstGeom prst="rect">
             <a:avLst/>
@@ -2543,8 +2543,8 @@
         </p:nvSpPr>
         <p:spPr>
           <a:xfrm>
-            <a:off x="471488" y="7178852"/>
-            <a:ext cx="1543050" cy="412372"/>
+            <a:off x="471488" y="5176307"/>
+            <a:ext cx="1543050" cy="297340"/>
           </a:xfrm>
           <a:prstGeom prst="rect">
             <a:avLst/>
@@ -2584,8 +2584,8 @@
         </p:nvSpPr>
         <p:spPr>
           <a:xfrm>
-            <a:off x="2271713" y="7178852"/>
-            <a:ext cx="2314575" cy="412372"/>
+            <a:off x="2271713" y="5176307"/>
+            <a:ext cx="2314575" cy="297340"/>
           </a:xfrm>
           <a:prstGeom prst="rect">
             <a:avLst/>
@@ -2621,8 +2621,8 @@
         </p:nvSpPr>
         <p:spPr>
           <a:xfrm>
-            <a:off x="4843463" y="7178852"/>
-            <a:ext cx="1543050" cy="412372"/>
+            <a:off x="4843463" y="5176307"/>
+            <a:ext cx="1543050" cy="297340"/>
           </a:xfrm>
           <a:prstGeom prst="rect">
             <a:avLst/>
@@ -2653,23 +2653,23 @@
     </p:spTree>
     <p:extLst>
       <p:ext uri="{BB962C8B-B14F-4D97-AF65-F5344CB8AC3E}">
-        <p14:creationId xmlns:p14="http://schemas.microsoft.com/office/powerpoint/2010/main" val="3926211104"/>
+        <p14:creationId xmlns:p14="http://schemas.microsoft.com/office/powerpoint/2010/main" val="2762022339"/>
       </p:ext>
     </p:extLst>
   </p:cSld>
   <p:clrMap bg1="lt1" tx1="dk1" bg2="lt2" tx2="dk2" accent1="accent1" accent2="accent2" accent3="accent3" accent4="accent4" accent5="accent5" accent6="accent6" hlink="hlink" folHlink="folHlink"/>
   <p:sldLayoutIdLst>
-    <p:sldLayoutId id="2147483721" r:id="rId1"/>
-    <p:sldLayoutId id="2147483722" r:id="rId2"/>
-    <p:sldLayoutId id="2147483723" r:id="rId3"/>
-    <p:sldLayoutId id="2147483724" r:id="rId4"/>
-    <p:sldLayoutId id="2147483725" r:id="rId5"/>
-    <p:sldLayoutId id="2147483726" r:id="rId6"/>
-    <p:sldLayoutId id="2147483727" r:id="rId7"/>
-    <p:sldLayoutId id="2147483728" r:id="rId8"/>
-    <p:sldLayoutId id="2147483729" r:id="rId9"/>
-    <p:sldLayoutId id="2147483730" r:id="rId10"/>
-    <p:sldLayoutId id="2147483731" r:id="rId11"/>
+    <p:sldLayoutId id="2147483757" r:id="rId1"/>
+    <p:sldLayoutId id="2147483758" r:id="rId2"/>
+    <p:sldLayoutId id="2147483759" r:id="rId3"/>
+    <p:sldLayoutId id="2147483760" r:id="rId4"/>
+    <p:sldLayoutId id="2147483761" r:id="rId5"/>
+    <p:sldLayoutId id="2147483762" r:id="rId6"/>
+    <p:sldLayoutId id="2147483763" r:id="rId7"/>
+    <p:sldLayoutId id="2147483764" r:id="rId8"/>
+    <p:sldLayoutId id="2147483765" r:id="rId9"/>
+    <p:sldLayoutId id="2147483766" r:id="rId10"/>
+    <p:sldLayoutId id="2147483767" r:id="rId11"/>
   </p:sldLayoutIdLst>
   <p:txStyles>
     <p:titleStyle>
@@ -2980,13 +2980,13 @@
           <p:nvPr>
             <p:extLst>
               <p:ext uri="{D42A27DB-BD31-4B8C-83A1-F6EECF244321}">
-                <p14:modId xmlns:p14="http://schemas.microsoft.com/office/powerpoint/2010/main" val="2126138822"/>
+                <p14:modId xmlns:p14="http://schemas.microsoft.com/office/powerpoint/2010/main" val="891618788"/>
               </p:ext>
             </p:extLst>
           </p:nvPr>
         </p:nvGraphicFramePr>
         <p:xfrm>
-          <a:off x="4638675" y="0"/>
+          <a:off x="4615815" y="47466"/>
           <a:ext cx="2219326" cy="5413450"/>
         </p:xfrm>
         <a:graphic>
@@ -4329,7 +4329,7 @@
         </p:blipFill>
         <p:spPr>
           <a:xfrm>
-            <a:off x="5470970" y="3541943"/>
+            <a:off x="5448117" y="3589416"/>
             <a:ext cx="808337" cy="483245"/>
           </a:xfrm>
           <a:prstGeom prst="rect">
@@ -4345,7 +4345,7 @@
         </p:nvGrpSpPr>
         <p:grpSpPr>
           <a:xfrm>
-            <a:off x="5260038" y="940476"/>
+            <a:off x="5237178" y="987947"/>
             <a:ext cx="1615880" cy="513203"/>
             <a:chOff x="5260038" y="869038"/>
             <a:chExt cx="1615880" cy="513203"/>
@@ -4375,30 +4375,30 @@
             <a:p>
               <a:pPr algn="ctr"/>
               <a:r>
-                <a:rPr lang="de-DE" sz="800" dirty="0" smtClean="0"/>
+                <a:rPr lang="de-DE" sz="800" dirty="0"/>
                 <a:t>same </a:t>
               </a:r>
               <a:r>
-                <a:rPr lang="de-DE" sz="800" dirty="0" err="1" smtClean="0"/>
+                <a:rPr lang="de-DE" sz="800" dirty="0" err="1"/>
                 <a:t>colors</a:t>
               </a:r>
               <a:r>
-                <a:rPr lang="de-DE" sz="800" dirty="0" smtClean="0"/>
+                <a:rPr lang="de-DE" sz="800" dirty="0"/>
                 <a:t> </a:t>
               </a:r>
               <a:r>
-                <a:rPr lang="de-DE" sz="800" dirty="0" err="1" smtClean="0"/>
+                <a:rPr lang="de-DE" sz="800" dirty="0" err="1"/>
                 <a:t>as</a:t>
               </a:r>
               <a:r>
-                <a:rPr lang="de-DE" sz="800" dirty="0" smtClean="0"/>
+                <a:rPr lang="de-DE" sz="800" dirty="0"/>
                 <a:t> </a:t>
               </a:r>
               <a:r>
-                <a:rPr lang="de-DE" sz="800" dirty="0" err="1" smtClean="0"/>
+                <a:rPr lang="de-DE" sz="800" dirty="0" err="1"/>
                 <a:t>mRNA</a:t>
               </a:r>
-              <a:endParaRPr lang="de-DE" sz="800" dirty="0" smtClean="0"/>
+              <a:endParaRPr lang="de-DE" sz="800" dirty="0"/>
             </a:p>
           </p:txBody>
         </p:sp>
@@ -4450,18 +4450,18 @@
             <a:p>
               <a:pPr algn="ctr"/>
               <a:r>
-                <a:rPr lang="de-DE" sz="800" dirty="0" err="1" smtClean="0"/>
+                <a:rPr lang="de-DE" sz="800" dirty="0" err="1"/>
                 <a:t>mRNA</a:t>
               </a:r>
               <a:r>
-                <a:rPr lang="de-DE" sz="800" dirty="0" smtClean="0"/>
+                <a:rPr lang="de-DE" sz="800" dirty="0"/>
                 <a:t> </a:t>
               </a:r>
               <a:r>
-                <a:rPr lang="de-DE" sz="800" dirty="0" err="1" smtClean="0"/>
+                <a:rPr lang="de-DE" sz="800" dirty="0" err="1"/>
                 <a:t>target</a:t>
               </a:r>
-              <a:endParaRPr lang="de-DE" sz="800" dirty="0" smtClean="0"/>
+              <a:endParaRPr lang="de-DE" sz="800" dirty="0"/>
             </a:p>
           </p:txBody>
         </p:sp>
@@ -4482,8 +4482,8 @@
         </p:blipFill>
         <p:spPr>
           <a:xfrm>
-            <a:off x="5502117" y="1648304"/>
-            <a:ext cx="512420" cy="387041"/>
+            <a:off x="5470977" y="1695777"/>
+            <a:ext cx="543567" cy="410567"/>
           </a:xfrm>
           <a:prstGeom prst="rect">
             <a:avLst/>
@@ -4498,7 +4498,7 @@
         </p:nvSpPr>
         <p:spPr>
           <a:xfrm>
-            <a:off x="5970779" y="1657827"/>
+            <a:off x="5986019" y="1705293"/>
             <a:ext cx="692336" cy="338554"/>
           </a:xfrm>
           <a:prstGeom prst="rect">
@@ -4514,30 +4514,30 @@
           <a:p>
             <a:pPr algn="ctr"/>
             <a:r>
-              <a:rPr lang="de-DE" sz="800" dirty="0" smtClean="0"/>
+              <a:rPr lang="de-DE" sz="800" dirty="0"/>
               <a:t>same </a:t>
             </a:r>
             <a:r>
-              <a:rPr lang="de-DE" sz="800" dirty="0" err="1" smtClean="0"/>
+              <a:rPr lang="de-DE" sz="800" dirty="0" err="1"/>
               <a:t>colors</a:t>
             </a:r>
             <a:r>
-              <a:rPr lang="de-DE" sz="800" dirty="0" smtClean="0"/>
+              <a:rPr lang="de-DE" sz="800" dirty="0"/>
               <a:t> </a:t>
             </a:r>
             <a:r>
-              <a:rPr lang="de-DE" sz="800" dirty="0" err="1" smtClean="0"/>
+              <a:rPr lang="de-DE" sz="800" dirty="0" err="1"/>
               <a:t>as</a:t>
             </a:r>
             <a:r>
-              <a:rPr lang="de-DE" sz="800" dirty="0" smtClean="0"/>
+              <a:rPr lang="de-DE" sz="800" dirty="0"/>
               <a:t> </a:t>
             </a:r>
             <a:r>
-              <a:rPr lang="de-DE" sz="800" dirty="0" err="1" smtClean="0"/>
+              <a:rPr lang="de-DE" sz="800" dirty="0" err="1"/>
               <a:t>mRNA</a:t>
             </a:r>
-            <a:endParaRPr lang="de-DE" sz="800" dirty="0" smtClean="0"/>
+            <a:endParaRPr lang="de-DE" sz="800" dirty="0"/>
           </a:p>
         </p:txBody>
       </p:sp>
@@ -4549,7 +4549,7 @@
         </p:nvGrpSpPr>
         <p:grpSpPr>
           <a:xfrm>
-            <a:off x="5521234" y="223135"/>
+            <a:off x="5498374" y="270602"/>
             <a:ext cx="1269880" cy="639899"/>
             <a:chOff x="5521234" y="223135"/>
             <a:chExt cx="1269880" cy="639899"/>
@@ -4596,10 +4596,10 @@
                   <a:t>u</a:t>
                 </a:r>
                 <a:r>
-                  <a:rPr lang="de-DE" sz="800" dirty="0" err="1" smtClean="0"/>
+                  <a:rPr lang="de-DE" sz="800" dirty="0" err="1"/>
                   <a:t>pregulated</a:t>
                 </a:r>
-                <a:endParaRPr lang="de-DE" sz="800" dirty="0" smtClean="0"/>
+                <a:endParaRPr lang="de-DE" sz="800" dirty="0"/>
               </a:p>
             </p:txBody>
           </p:sp>
@@ -4626,18 +4626,18 @@
               <a:lstStyle/>
               <a:p>
                 <a:r>
-                  <a:rPr lang="de-DE" sz="800" dirty="0" err="1" smtClean="0"/>
+                  <a:rPr lang="de-DE" sz="800" dirty="0" err="1"/>
                   <a:t>no</a:t>
                 </a:r>
                 <a:r>
-                  <a:rPr lang="de-DE" sz="800" dirty="0" smtClean="0"/>
+                  <a:rPr lang="de-DE" sz="800" dirty="0"/>
                   <a:t> </a:t>
                 </a:r>
                 <a:r>
-                  <a:rPr lang="de-DE" sz="800" dirty="0" err="1" smtClean="0"/>
+                  <a:rPr lang="de-DE" sz="800" dirty="0" err="1"/>
                   <a:t>difference</a:t>
                 </a:r>
-                <a:endParaRPr lang="de-DE" sz="800" dirty="0" smtClean="0"/>
+                <a:endParaRPr lang="de-DE" sz="800" dirty="0"/>
               </a:p>
             </p:txBody>
           </p:sp>
@@ -4664,10 +4664,10 @@
               <a:lstStyle/>
               <a:p>
                 <a:r>
-                  <a:rPr lang="de-DE" sz="800" dirty="0" err="1" smtClean="0"/>
+                  <a:rPr lang="de-DE" sz="800" dirty="0" err="1"/>
                   <a:t>downregulated</a:t>
                 </a:r>
-                <a:endParaRPr lang="de-DE" sz="800" dirty="0" smtClean="0"/>
+                <a:endParaRPr lang="de-DE" sz="800" dirty="0"/>
               </a:p>
             </p:txBody>
           </p:sp>
@@ -4694,18 +4694,18 @@
               <a:lstStyle/>
               <a:p>
                 <a:r>
-                  <a:rPr lang="de-DE" sz="800" dirty="0" err="1" smtClean="0"/>
+                  <a:rPr lang="de-DE" sz="800" dirty="0" err="1"/>
                   <a:t>no</a:t>
                 </a:r>
                 <a:r>
-                  <a:rPr lang="de-DE" sz="800" dirty="0" smtClean="0"/>
+                  <a:rPr lang="de-DE" sz="800" dirty="0"/>
                   <a:t> </a:t>
                 </a:r>
                 <a:r>
-                  <a:rPr lang="de-DE" sz="800" dirty="0" err="1" smtClean="0"/>
+                  <a:rPr lang="de-DE" sz="800" dirty="0" err="1"/>
                   <a:t>data</a:t>
                 </a:r>
-                <a:endParaRPr lang="de-DE" sz="800" dirty="0" smtClean="0"/>
+                <a:endParaRPr lang="de-DE" sz="800" dirty="0"/>
               </a:p>
             </p:txBody>
           </p:sp>
@@ -4743,7 +4743,7 @@
         </p:nvGrpSpPr>
         <p:grpSpPr>
           <a:xfrm>
-            <a:off x="4891080" y="4391645"/>
+            <a:off x="4868227" y="4439118"/>
             <a:ext cx="1732537" cy="512593"/>
             <a:chOff x="4891080" y="4391645"/>
             <a:chExt cx="1732537" cy="512593"/>
@@ -4853,7 +4853,7 @@
               <a:p>
                 <a:pPr algn="ctr"/>
                 <a:r>
-                  <a:rPr lang="de-DE" sz="900" dirty="0" smtClean="0"/>
+                  <a:rPr lang="de-DE" sz="900" dirty="0"/>
                   <a:t>-1.5</a:t>
                 </a:r>
                 <a:endParaRPr lang="de-DE" sz="900" dirty="0"/>
@@ -4884,7 +4884,7 @@
               <a:p>
                 <a:pPr algn="ctr"/>
                 <a:r>
-                  <a:rPr lang="de-DE" sz="900" dirty="0" smtClean="0"/>
+                  <a:rPr lang="de-DE" sz="900" dirty="0"/>
                   <a:t>1.5</a:t>
                 </a:r>
                 <a:endParaRPr lang="de-DE" sz="900" dirty="0"/>
@@ -4915,7 +4915,7 @@
               <a:p>
                 <a:pPr algn="ctr"/>
                 <a:r>
-                  <a:rPr lang="de-DE" sz="900" dirty="0" smtClean="0"/>
+                  <a:rPr lang="de-DE" sz="900" dirty="0"/>
                   <a:t>0</a:t>
                 </a:r>
                 <a:endParaRPr lang="de-DE" sz="900" dirty="0"/>
@@ -4955,11 +4955,7 @@
               </a:r>
               <a:r>
                 <a:rPr lang="en-US" sz="900" dirty="0"/>
-                <a:t> fold change (e.g. mRNA</a:t>
-              </a:r>
-              <a:r>
-                <a:rPr lang="en-US" sz="900" dirty="0" smtClean="0"/>
-                <a:t>)</a:t>
+                <a:t> fold change (e.g. mRNA)</a:t>
               </a:r>
               <a:endParaRPr lang="de-DE" sz="900" dirty="0">
                 <a:ea typeface="Times New Roman" panose="02020603050405020304" pitchFamily="18" charset="0"/>
@@ -4977,7 +4973,7 @@
         </p:nvGrpSpPr>
         <p:grpSpPr>
           <a:xfrm>
-            <a:off x="4902562" y="4903155"/>
+            <a:off x="4879709" y="4950628"/>
             <a:ext cx="1721055" cy="531695"/>
             <a:chOff x="5074477" y="5105646"/>
             <a:chExt cx="1721055" cy="531695"/>
@@ -5114,7 +5110,7 @@
               <a:p>
                 <a:pPr algn="ctr"/>
                 <a:r>
-                  <a:rPr lang="de-DE" sz="900" dirty="0" smtClean="0"/>
+                  <a:rPr lang="de-DE" sz="900" dirty="0"/>
                   <a:t>0.05</a:t>
                 </a:r>
                 <a:endParaRPr lang="de-DE" sz="900" dirty="0"/>
@@ -5173,20 +5169,261 @@
                 <a:t>Pathways</a:t>
               </a:r>
               <a:r>
-                <a:rPr lang="de-DE" sz="900" dirty="0" smtClean="0">
+                <a:rPr lang="de-DE" sz="900" dirty="0">
                   <a:ea typeface="Times New Roman" panose="02020603050405020304" pitchFamily="18" charset="0"/>
                   <a:cs typeface="Times New Roman" panose="02020603050405020304" pitchFamily="18" charset="0"/>
                 </a:rPr>
                 <a:t>)</a:t>
               </a:r>
-              <a:endParaRPr lang="de-DE" sz="900" dirty="0">
-                <a:ea typeface="Times New Roman" panose="02020603050405020304" pitchFamily="18" charset="0"/>
-                <a:cs typeface="Times New Roman" panose="02020603050405020304" pitchFamily="18" charset="0"/>
-              </a:endParaRPr>
             </a:p>
           </p:txBody>
         </p:sp>
       </p:grpSp>
+      <p:grpSp>
+        <p:nvGrpSpPr>
+          <p:cNvPr id="13" name="Gruppieren 12"/>
+          <p:cNvGrpSpPr/>
+          <p:nvPr/>
+        </p:nvGrpSpPr>
+        <p:grpSpPr>
+          <a:xfrm>
+            <a:off x="5479264" y="2917758"/>
+            <a:ext cx="1429825" cy="511626"/>
+            <a:chOff x="5502117" y="2870292"/>
+            <a:chExt cx="1429825" cy="511626"/>
+          </a:xfrm>
+        </p:grpSpPr>
+        <p:pic>
+          <p:nvPicPr>
+            <p:cNvPr id="12" name="Grafik 11"/>
+            <p:cNvPicPr>
+              <a:picLocks noChangeAspect="1"/>
+            </p:cNvPicPr>
+            <p:nvPr/>
+          </p:nvPicPr>
+          <p:blipFill>
+            <a:blip r:embed="rId6"/>
+            <a:stretch>
+              <a:fillRect/>
+            </a:stretch>
+          </p:blipFill>
+          <p:spPr>
+            <a:xfrm>
+              <a:off x="5502117" y="2907064"/>
+              <a:ext cx="574416" cy="453209"/>
+            </a:xfrm>
+            <a:prstGeom prst="rect">
+              <a:avLst/>
+            </a:prstGeom>
+          </p:spPr>
+        </p:pic>
+        <p:sp>
+          <p:nvSpPr>
+            <p:cNvPr id="35" name="Textfeld 34"/>
+            <p:cNvSpPr txBox="1"/>
+            <p:nvPr/>
+          </p:nvSpPr>
+          <p:spPr>
+            <a:xfrm>
+              <a:off x="6013586" y="2870292"/>
+              <a:ext cx="918355" cy="215444"/>
+            </a:xfrm>
+            <a:prstGeom prst="rect">
+              <a:avLst/>
+            </a:prstGeom>
+            <a:noFill/>
+          </p:spPr>
+          <p:txBody>
+            <a:bodyPr wrap="square" rtlCol="0">
+              <a:spAutoFit/>
+            </a:bodyPr>
+            <a:lstStyle/>
+            <a:p>
+              <a:r>
+                <a:rPr lang="de-DE" sz="800" dirty="0" err="1"/>
+                <a:t>hypermethylated</a:t>
+              </a:r>
+              <a:endParaRPr lang="de-DE" sz="800" dirty="0"/>
+            </a:p>
+          </p:txBody>
+        </p:sp>
+        <p:sp>
+          <p:nvSpPr>
+            <p:cNvPr id="36" name="Textfeld 35"/>
+            <p:cNvSpPr txBox="1"/>
+            <p:nvPr/>
+          </p:nvSpPr>
+          <p:spPr>
+            <a:xfrm>
+              <a:off x="6013587" y="3022671"/>
+              <a:ext cx="883614" cy="215444"/>
+            </a:xfrm>
+            <a:prstGeom prst="rect">
+              <a:avLst/>
+            </a:prstGeom>
+            <a:noFill/>
+          </p:spPr>
+          <p:txBody>
+            <a:bodyPr wrap="square" rtlCol="0">
+              <a:spAutoFit/>
+            </a:bodyPr>
+            <a:lstStyle/>
+            <a:p>
+              <a:r>
+                <a:rPr lang="de-DE" sz="800" dirty="0" err="1"/>
+                <a:t>no</a:t>
+              </a:r>
+              <a:r>
+                <a:rPr lang="de-DE" sz="800" dirty="0"/>
+                <a:t> </a:t>
+              </a:r>
+              <a:r>
+                <a:rPr lang="de-DE" sz="800" dirty="0" err="1"/>
+                <a:t>difference</a:t>
+              </a:r>
+              <a:endParaRPr lang="de-DE" sz="800" dirty="0"/>
+            </a:p>
+          </p:txBody>
+        </p:sp>
+        <p:sp>
+          <p:nvSpPr>
+            <p:cNvPr id="37" name="Textfeld 36"/>
+            <p:cNvSpPr txBox="1"/>
+            <p:nvPr/>
+          </p:nvSpPr>
+          <p:spPr>
+            <a:xfrm>
+              <a:off x="6015967" y="3166474"/>
+              <a:ext cx="915975" cy="215444"/>
+            </a:xfrm>
+            <a:prstGeom prst="rect">
+              <a:avLst/>
+            </a:prstGeom>
+            <a:noFill/>
+          </p:spPr>
+          <p:txBody>
+            <a:bodyPr wrap="square" rtlCol="0">
+              <a:spAutoFit/>
+            </a:bodyPr>
+            <a:lstStyle/>
+            <a:p>
+              <a:r>
+                <a:rPr lang="de-DE" sz="800" dirty="0" err="1"/>
+                <a:t>hypomethylated</a:t>
+              </a:r>
+              <a:endParaRPr lang="de-DE" sz="800" dirty="0"/>
+            </a:p>
+          </p:txBody>
+        </p:sp>
+      </p:grpSp>
+      <p:sp>
+        <p:nvSpPr>
+          <p:cNvPr id="40" name="Textfeld 39"/>
+          <p:cNvSpPr txBox="1"/>
+          <p:nvPr/>
+        </p:nvSpPr>
+        <p:spPr>
+          <a:xfrm>
+            <a:off x="3" y="9366"/>
+            <a:ext cx="299405" cy="307777"/>
+          </a:xfrm>
+          <a:prstGeom prst="rect">
+            <a:avLst/>
+          </a:prstGeom>
+          <a:noFill/>
+        </p:spPr>
+        <p:txBody>
+          <a:bodyPr wrap="square" rtlCol="0">
+            <a:spAutoFit/>
+          </a:bodyPr>
+          <a:lstStyle/>
+          <a:p>
+            <a:r>
+              <a:rPr lang="de-DE" sz="1400" b="1" dirty="0"/>
+              <a:t>A</a:t>
+            </a:r>
+            <a:endParaRPr lang="de-DE" sz="800" b="1" dirty="0"/>
+          </a:p>
+        </p:txBody>
+      </p:sp>
+      <p:sp>
+        <p:nvSpPr>
+          <p:cNvPr id="41" name="Textfeld 40"/>
+          <p:cNvSpPr txBox="1"/>
+          <p:nvPr/>
+        </p:nvSpPr>
+        <p:spPr>
+          <a:xfrm>
+            <a:off x="-66085" y="2724146"/>
+            <a:ext cx="299405" cy="307777"/>
+          </a:xfrm>
+          <a:prstGeom prst="rect">
+            <a:avLst/>
+          </a:prstGeom>
+          <a:noFill/>
+        </p:spPr>
+        <p:txBody>
+          <a:bodyPr wrap="square" rtlCol="0">
+            <a:spAutoFit/>
+          </a:bodyPr>
+          <a:lstStyle/>
+          <a:p>
+            <a:r>
+              <a:rPr lang="de-DE" sz="1400" b="1" dirty="0"/>
+              <a:t>B</a:t>
+            </a:r>
+            <a:endParaRPr lang="de-DE" sz="800" b="1" dirty="0"/>
+          </a:p>
+        </p:txBody>
+      </p:sp>
+      <p:pic>
+        <p:nvPicPr>
+          <p:cNvPr id="42" name="Inhaltsplatzhalter 8" descr="mmu04110.png"/>
+          <p:cNvPicPr>
+            <a:picLocks noChangeAspect="1"/>
+          </p:cNvPicPr>
+          <p:nvPr/>
+        </p:nvPicPr>
+        <p:blipFill>
+          <a:blip r:embed="rId7" cstate="print"/>
+          <a:stretch>
+            <a:fillRect/>
+          </a:stretch>
+        </p:blipFill>
+        <p:spPr>
+          <a:xfrm>
+            <a:off x="399199" y="131076"/>
+            <a:ext cx="4035395" cy="2691558"/>
+          </a:xfrm>
+          <a:prstGeom prst="rect">
+            <a:avLst/>
+          </a:prstGeom>
+        </p:spPr>
+      </p:pic>
+      <p:pic>
+        <p:nvPicPr>
+          <p:cNvPr id="43" name="Inhaltsplatzhalter 6" descr="mmu01100.jpeg"/>
+          <p:cNvPicPr>
+            <a:picLocks noChangeAspect="1"/>
+          </p:cNvPicPr>
+          <p:nvPr/>
+        </p:nvPicPr>
+        <p:blipFill>
+          <a:blip r:embed="rId8" cstate="print"/>
+          <a:stretch>
+            <a:fillRect/>
+          </a:stretch>
+        </p:blipFill>
+        <p:spPr>
+          <a:xfrm>
+            <a:off x="135784" y="2845497"/>
+            <a:ext cx="4403472" cy="2646857"/>
+          </a:xfrm>
+          <a:prstGeom prst="rect">
+            <a:avLst/>
+          </a:prstGeom>
+        </p:spPr>
+      </p:pic>
     </p:spTree>
     <p:extLst>
       <p:ext uri="{BB962C8B-B14F-4D97-AF65-F5344CB8AC3E}">
@@ -5200,7 +5437,78 @@
   <p:timing>
     <p:tnLst>
       <p:par>
-        <p:cTn id="1" dur="indefinite" restart="never" nodeType="tmRoot"/>
+        <p:cTn id="1" dur="indefinite" restart="never" nodeType="tmRoot">
+          <p:childTnLst>
+            <p:seq concurrent="1" nextAc="seek">
+              <p:cTn id="2" dur="indefinite" nodeType="mainSeq">
+                <p:childTnLst>
+                  <p:par>
+                    <p:cTn id="3" fill="hold">
+                      <p:stCondLst>
+                        <p:cond delay="indefinite"/>
+                        <p:cond evt="onBegin" delay="0">
+                          <p:tn val="2"/>
+                        </p:cond>
+                      </p:stCondLst>
+                      <p:childTnLst>
+                        <p:par>
+                          <p:cTn id="4" fill="hold">
+                            <p:stCondLst>
+                              <p:cond delay="0"/>
+                            </p:stCondLst>
+                            <p:childTnLst>
+                              <p:par>
+                                <p:cTn id="5" presetID="1" presetClass="entr" presetSubtype="0" fill="hold" nodeType="withEffect">
+                                  <p:stCondLst>
+                                    <p:cond delay="0"/>
+                                  </p:stCondLst>
+                                  <p:childTnLst>
+                                    <p:set>
+                                      <p:cBhvr>
+                                        <p:cTn id="6" dur="1" fill="hold">
+                                          <p:stCondLst>
+                                            <p:cond delay="0"/>
+                                          </p:stCondLst>
+                                        </p:cTn>
+                                        <p:tgtEl>
+                                          <p:spTgt spid="42"/>
+                                        </p:tgtEl>
+                                        <p:attrNameLst>
+                                          <p:attrName>style.visibility</p:attrName>
+                                        </p:attrNameLst>
+                                      </p:cBhvr>
+                                      <p:to>
+                                        <p:strVal val="visible"/>
+                                      </p:to>
+                                    </p:set>
+                                  </p:childTnLst>
+                                </p:cTn>
+                              </p:par>
+                            </p:childTnLst>
+                          </p:cTn>
+                        </p:par>
+                      </p:childTnLst>
+                    </p:cTn>
+                  </p:par>
+                </p:childTnLst>
+              </p:cTn>
+              <p:prevCondLst>
+                <p:cond evt="onPrev" delay="0">
+                  <p:tgtEl>
+                    <p:sldTgt/>
+                  </p:tgtEl>
+                </p:cond>
+              </p:prevCondLst>
+              <p:nextCondLst>
+                <p:cond evt="onNext" delay="0">
+                  <p:tgtEl>
+                    <p:sldTgt/>
+                  </p:tgtEl>
+                </p:cond>
+              </p:nextCondLst>
+            </p:seq>
+          </p:childTnLst>
+        </p:cTn>
       </p:par>
     </p:tnLst>
   </p:timing>
